--- a/Microsoft Fabric/Data - The Fabric Of Our Lives/20240605 - Sacramento SQL Server UG - Data - The Fabric Of Our Lives.pptx
+++ b/Microsoft Fabric/Data - The Fabric Of Our Lives/20240605 - Sacramento SQL Server UG - Data - The Fabric Of Our Lives.pptx
@@ -8261,7 +8261,7 @@
                 <a:latin typeface="Segoe UI"/>
                 <a:cs typeface="Segoe UI Light" charset="0"/>
               </a:rPr>
-              <a:t>Twitter:  @ChrisHyde325</a:t>
+              <a:t>Twitter / X:  @ChrisHyde325</a:t>
             </a:r>
           </a:p>
           <a:p>
